--- a/slides/16-ClassesInternas.pptx
+++ b/slides/16-ClassesInternas.pptx
@@ -5,7 +5,7 @@
     <p:sldMasterId id="2147483660" r:id="rId1"/>
   </p:sldMasterIdLst>
   <p:notesMasterIdLst>
-    <p:notesMasterId r:id="rId25"/>
+    <p:notesMasterId r:id="rId27"/>
   </p:notesMasterIdLst>
   <p:sldIdLst>
     <p:sldId id="256" r:id="rId2"/>
@@ -31,6 +31,8 @@
     <p:sldId id="278" r:id="rId22"/>
     <p:sldId id="277" r:id="rId23"/>
     <p:sldId id="279" r:id="rId24"/>
+    <p:sldId id="280" r:id="rId25"/>
+    <p:sldId id="282" r:id="rId26"/>
   </p:sldIdLst>
   <p:sldSz cx="9144000" cy="6858000" type="screen4x3"/>
   <p:notesSz cx="6858000" cy="9144000"/>
@@ -215,7 +217,7 @@
             <a:fld id="{63EE0429-3A54-4FCE-9BEC-4E6874F5DDA5}" type="datetimeFigureOut">
               <a:rPr lang="pt-BR" smtClean="0"/>
               <a:pPr/>
-              <a:t>22/01/2012</a:t>
+              <a:t>24/01/2012</a:t>
             </a:fld>
             <a:endParaRPr lang="pt-BR"/>
           </a:p>
@@ -2568,7 +2570,7 @@
             <a:fld id="{C1675C04-B1D7-4314-A174-D1660FB6FF37}" type="datetimeFigureOut">
               <a:rPr lang="pt-BR" smtClean="0"/>
               <a:pPr/>
-              <a:t>22/01/2012</a:t>
+              <a:t>24/01/2012</a:t>
             </a:fld>
             <a:endParaRPr lang="pt-BR"/>
           </a:p>
@@ -2792,7 +2794,7 @@
             <a:fld id="{C1675C04-B1D7-4314-A174-D1660FB6FF37}" type="datetimeFigureOut">
               <a:rPr lang="pt-BR" smtClean="0"/>
               <a:pPr/>
-              <a:t>22/01/2012</a:t>
+              <a:t>24/01/2012</a:t>
             </a:fld>
             <a:endParaRPr lang="pt-BR"/>
           </a:p>
@@ -3026,7 +3028,7 @@
             <a:fld id="{C1675C04-B1D7-4314-A174-D1660FB6FF37}" type="datetimeFigureOut">
               <a:rPr lang="pt-BR" smtClean="0"/>
               <a:pPr/>
-              <a:t>22/01/2012</a:t>
+              <a:t>24/01/2012</a:t>
             </a:fld>
             <a:endParaRPr lang="pt-BR"/>
           </a:p>
@@ -3631,7 +3633,7 @@
             <a:fld id="{C1675C04-B1D7-4314-A174-D1660FB6FF37}" type="datetimeFigureOut">
               <a:rPr lang="pt-BR" smtClean="0"/>
               <a:pPr/>
-              <a:t>22/01/2012</a:t>
+              <a:t>24/01/2012</a:t>
             </a:fld>
             <a:endParaRPr lang="pt-BR"/>
           </a:p>
@@ -3889,7 +3891,7 @@
             <a:fld id="{C1675C04-B1D7-4314-A174-D1660FB6FF37}" type="datetimeFigureOut">
               <a:rPr lang="pt-BR" smtClean="0"/>
               <a:pPr/>
-              <a:t>22/01/2012</a:t>
+              <a:t>24/01/2012</a:t>
             </a:fld>
             <a:endParaRPr lang="pt-BR"/>
           </a:p>
@@ -4235,7 +4237,7 @@
             <a:fld id="{C1675C04-B1D7-4314-A174-D1660FB6FF37}" type="datetimeFigureOut">
               <a:rPr lang="pt-BR" smtClean="0"/>
               <a:pPr/>
-              <a:t>22/01/2012</a:t>
+              <a:t>24/01/2012</a:t>
             </a:fld>
             <a:endParaRPr lang="pt-BR"/>
           </a:p>
@@ -4719,7 +4721,7 @@
             <a:fld id="{C1675C04-B1D7-4314-A174-D1660FB6FF37}" type="datetimeFigureOut">
               <a:rPr lang="pt-BR" smtClean="0"/>
               <a:pPr/>
-              <a:t>22/01/2012</a:t>
+              <a:t>24/01/2012</a:t>
             </a:fld>
             <a:endParaRPr lang="pt-BR"/>
           </a:p>
@@ -4855,7 +4857,7 @@
             <a:fld id="{C1675C04-B1D7-4314-A174-D1660FB6FF37}" type="datetimeFigureOut">
               <a:rPr lang="pt-BR" smtClean="0"/>
               <a:pPr/>
-              <a:t>22/01/2012</a:t>
+              <a:t>24/01/2012</a:t>
             </a:fld>
             <a:endParaRPr lang="pt-BR"/>
           </a:p>
@@ -4960,7 +4962,7 @@
             <a:fld id="{C1675C04-B1D7-4314-A174-D1660FB6FF37}" type="datetimeFigureOut">
               <a:rPr lang="pt-BR" smtClean="0"/>
               <a:pPr/>
-              <a:t>22/01/2012</a:t>
+              <a:t>24/01/2012</a:t>
             </a:fld>
             <a:endParaRPr lang="pt-BR"/>
           </a:p>
@@ -5275,7 +5277,7 @@
             <a:fld id="{C1675C04-B1D7-4314-A174-D1660FB6FF37}" type="datetimeFigureOut">
               <a:rPr lang="pt-BR" smtClean="0"/>
               <a:pPr/>
-              <a:t>22/01/2012</a:t>
+              <a:t>24/01/2012</a:t>
             </a:fld>
             <a:endParaRPr lang="pt-BR"/>
           </a:p>
@@ -5550,7 +5552,7 @@
             <a:fld id="{C1675C04-B1D7-4314-A174-D1660FB6FF37}" type="datetimeFigureOut">
               <a:rPr lang="pt-BR" smtClean="0"/>
               <a:pPr/>
-              <a:t>22/01/2012</a:t>
+              <a:t>24/01/2012</a:t>
             </a:fld>
             <a:endParaRPr lang="pt-BR"/>
           </a:p>
@@ -5766,7 +5768,7 @@
             <a:fld id="{C1675C04-B1D7-4314-A174-D1660FB6FF37}" type="datetimeFigureOut">
               <a:rPr lang="pt-BR" smtClean="0"/>
               <a:pPr/>
-              <a:t>22/01/2012</a:t>
+              <a:t>24/01/2012</a:t>
             </a:fld>
             <a:endParaRPr lang="pt-BR"/>
           </a:p>
@@ -6416,6 +6418,13 @@
     <a:masterClrMapping/>
   </p:clrMapOvr>
   <p:transition spd="slow"/>
+  <p:timing>
+    <p:tnLst>
+      <p:par>
+        <p:cTn id="1" dur="indefinite" restart="never" nodeType="tmRoot"/>
+      </p:par>
+    </p:tnLst>
+  </p:timing>
 </p:sld>
 </file>
 
@@ -6836,11 +6845,6 @@
               </a:rPr>
               <a:t>}</a:t>
             </a:r>
-            <a:endParaRPr lang="en-US" sz="1600" dirty="0" smtClean="0">
-              <a:latin typeface="Consolas" pitchFamily="49" charset="0"/>
-              <a:ea typeface="Calibri"/>
-              <a:cs typeface="Consolas" pitchFamily="49" charset="0"/>
-            </a:endParaRPr>
           </a:p>
         </p:txBody>
       </p:sp>
@@ -6850,6 +6854,13 @@
     <a:masterClrMapping/>
   </p:clrMapOvr>
   <p:transition spd="slow"/>
+  <p:timing>
+    <p:tnLst>
+      <p:par>
+        <p:cTn id="1" dur="indefinite" restart="never" nodeType="tmRoot"/>
+      </p:par>
+    </p:tnLst>
+  </p:timing>
 </p:sld>
 </file>
 
@@ -6890,8 +6901,8 @@
               <a:t>Pode acessar as variáveis da classe </a:t>
             </a:r>
             <a:r>
-              <a:rPr lang="pt-BR" dirty="0" err="1" smtClean="0"/>
-              <a:t>esterna</a:t>
+              <a:rPr lang="pt-BR" dirty="0" smtClean="0"/>
+              <a:t>externa</a:t>
             </a:r>
             <a:endParaRPr lang="pt-BR" dirty="0" smtClean="0"/>
           </a:p>
@@ -6946,6 +6957,13 @@
     <a:masterClrMapping/>
   </p:clrMapOvr>
   <p:transition spd="slow"/>
+  <p:timing>
+    <p:tnLst>
+      <p:par>
+        <p:cTn id="1" dur="indefinite" restart="never" nodeType="tmRoot"/>
+      </p:par>
+    </p:tnLst>
+  </p:timing>
 </p:sld>
 </file>
 
@@ -7339,23 +7357,7 @@
                 <a:ea typeface="Calibri"/>
                 <a:cs typeface="Consolas" pitchFamily="49" charset="0"/>
               </a:rPr>
-              <a:t>("</a:t>
-            </a:r>
-            <a:r>
-              <a:rPr lang="en-US" sz="1600" dirty="0" smtClean="0">
-                <a:latin typeface="Consolas" pitchFamily="49" charset="0"/>
-                <a:ea typeface="Calibri"/>
-                <a:cs typeface="Consolas" pitchFamily="49" charset="0"/>
-              </a:rPr>
-              <a:t>Local z:”+ </a:t>
-            </a:r>
-            <a:r>
-              <a:rPr lang="en-US" sz="1600" dirty="0" smtClean="0">
-                <a:latin typeface="Consolas" pitchFamily="49" charset="0"/>
-                <a:ea typeface="Calibri"/>
-                <a:cs typeface="Consolas" pitchFamily="49" charset="0"/>
-              </a:rPr>
-              <a:t>z);//</a:t>
+              <a:t>("Local z:”+ z);//</a:t>
             </a:r>
             <a:r>
               <a:rPr lang="en-US" sz="1600" dirty="0" err="1" smtClean="0">
@@ -7458,11 +7460,6 @@
               </a:rPr>
               <a:t>}</a:t>
             </a:r>
-            <a:endParaRPr lang="en-US" sz="1600" dirty="0" smtClean="0">
-              <a:latin typeface="Consolas" pitchFamily="49" charset="0"/>
-              <a:ea typeface="Calibri"/>
-              <a:cs typeface="Consolas" pitchFamily="49" charset="0"/>
-            </a:endParaRPr>
           </a:p>
         </p:txBody>
       </p:sp>
@@ -7472,6 +7469,13 @@
     <a:masterClrMapping/>
   </p:clrMapOvr>
   <p:transition spd="slow"/>
+  <p:timing>
+    <p:tnLst>
+      <p:par>
+        <p:cTn id="1" dur="indefinite" restart="never" nodeType="tmRoot"/>
+      </p:par>
+    </p:tnLst>
+  </p:timing>
 </p:sld>
 </file>
 
@@ -7531,12 +7535,12 @@
               <a:t>Esse </a:t>
             </a:r>
             <a:r>
-              <a:rPr lang="pt-BR" dirty="0" err="1" smtClean="0"/>
-              <a:t>éum</a:t>
-            </a:r>
-            <a:r>
               <a:rPr lang="pt-BR" dirty="0" smtClean="0"/>
-              <a:t> código válido?</a:t>
+              <a:t>é um </a:t>
+            </a:r>
+            <a:r>
+              <a:rPr lang="pt-BR" dirty="0" smtClean="0"/>
+              <a:t>código válido?</a:t>
             </a:r>
             <a:endParaRPr lang="pt-BR" dirty="0"/>
           </a:p>
@@ -7820,11 +7824,6 @@
               </a:rPr>
               <a:t>}</a:t>
             </a:r>
-            <a:endParaRPr lang="en-US" sz="1600" dirty="0" smtClean="0">
-              <a:latin typeface="Consolas" pitchFamily="49" charset="0"/>
-              <a:ea typeface="Calibri"/>
-              <a:cs typeface="Consolas" pitchFamily="49" charset="0"/>
-            </a:endParaRPr>
           </a:p>
         </p:txBody>
       </p:sp>
@@ -7834,6 +7833,13 @@
     <a:masterClrMapping/>
   </p:clrMapOvr>
   <p:transition spd="slow"/>
+  <p:timing>
+    <p:tnLst>
+      <p:par>
+        <p:cTn id="1" dur="indefinite" restart="never" nodeType="tmRoot"/>
+      </p:par>
+    </p:tnLst>
+  </p:timing>
 </p:sld>
 </file>
 
@@ -7930,6 +7936,13 @@
     <a:masterClrMapping/>
   </p:clrMapOvr>
   <p:transition spd="slow"/>
+  <p:timing>
+    <p:tnLst>
+      <p:par>
+        <p:cTn id="1" dur="indefinite" restart="never" nodeType="tmRoot"/>
+      </p:par>
+    </p:tnLst>
+  </p:timing>
 </p:sld>
 </file>
 
@@ -8421,11 +8434,6 @@
               </a:rPr>
               <a:t>}</a:t>
             </a:r>
-            <a:endParaRPr lang="en-US" sz="1600" dirty="0" smtClean="0">
-              <a:latin typeface="Consolas" pitchFamily="49" charset="0"/>
-              <a:ea typeface="Calibri"/>
-              <a:cs typeface="Consolas" pitchFamily="49" charset="0"/>
-            </a:endParaRPr>
           </a:p>
         </p:txBody>
       </p:sp>
@@ -8435,6 +8443,13 @@
     <a:masterClrMapping/>
   </p:clrMapOvr>
   <p:transition spd="slow"/>
+  <p:timing>
+    <p:tnLst>
+      <p:par>
+        <p:cTn id="1" dur="indefinite" restart="never" nodeType="tmRoot"/>
+      </p:par>
+    </p:tnLst>
+  </p:timing>
 </p:sld>
 </file>
 
@@ -8467,7 +8482,9 @@
         </p:nvSpPr>
         <p:spPr/>
         <p:txBody>
-          <a:bodyPr/>
+          <a:bodyPr>
+            <a:normAutofit lnSpcReduction="10000"/>
+          </a:bodyPr>
           <a:lstStyle/>
           <a:p>
             <a:r>
@@ -8484,8 +8501,17 @@
           <a:p>
             <a:r>
               <a:rPr lang="pt-BR" dirty="0" smtClean="0"/>
-              <a:t>Métodos da própria classe podem ser declarados, mas não poderão ser usados</a:t>
-            </a:r>
+              <a:t>Métodos da própria classe podem ser declarados, mas não poderão ser </a:t>
+            </a:r>
+            <a:r>
+              <a:rPr lang="pt-BR" dirty="0" smtClean="0"/>
+              <a:t>usados fora </a:t>
+            </a:r>
+            <a:r>
+              <a:rPr lang="pt-BR" smtClean="0"/>
+              <a:t>da classe</a:t>
+            </a:r>
+            <a:endParaRPr lang="pt-BR" dirty="0" smtClean="0"/>
           </a:p>
           <a:p>
             <a:r>
@@ -8529,6 +8555,13 @@
     <a:masterClrMapping/>
   </p:clrMapOvr>
   <p:transition spd="slow"/>
+  <p:timing>
+    <p:tnLst>
+      <p:par>
+        <p:cTn id="1" dur="indefinite" restart="never" nodeType="tmRoot"/>
+      </p:par>
+    </p:tnLst>
+  </p:timing>
 </p:sld>
 </file>
 
@@ -8825,15 +8858,7 @@
                 <a:ea typeface="Calibri"/>
                 <a:cs typeface="Consolas" pitchFamily="49" charset="0"/>
               </a:rPr>
-              <a:t> implementer</a:t>
-            </a:r>
-            <a:r>
-              <a:rPr lang="en-US" sz="1600" dirty="0" smtClean="0">
-                <a:latin typeface="Consolas" pitchFamily="49" charset="0"/>
-                <a:ea typeface="Calibri"/>
-                <a:cs typeface="Consolas" pitchFamily="49" charset="0"/>
-              </a:rPr>
-              <a:t>");</a:t>
+              <a:t> implementer");</a:t>
             </a:r>
           </a:p>
           <a:p>
@@ -8889,11 +8914,6 @@
               </a:rPr>
               <a:t>}</a:t>
             </a:r>
-            <a:endParaRPr lang="en-US" sz="1600" dirty="0" smtClean="0">
-              <a:latin typeface="Consolas" pitchFamily="49" charset="0"/>
-              <a:ea typeface="Calibri"/>
-              <a:cs typeface="Consolas" pitchFamily="49" charset="0"/>
-            </a:endParaRPr>
           </a:p>
         </p:txBody>
       </p:sp>
@@ -8903,6 +8923,13 @@
     <a:masterClrMapping/>
   </p:clrMapOvr>
   <p:transition spd="slow"/>
+  <p:timing>
+    <p:tnLst>
+      <p:par>
+        <p:cTn id="1" dur="indefinite" restart="never" nodeType="tmRoot"/>
+      </p:par>
+    </p:tnLst>
+  </p:timing>
 </p:sld>
 </file>
 
@@ -9443,11 +9470,6 @@
               </a:rPr>
               <a:t>}</a:t>
             </a:r>
-            <a:endParaRPr lang="en-US" sz="1600" dirty="0" smtClean="0">
-              <a:latin typeface="Consolas" pitchFamily="49" charset="0"/>
-              <a:ea typeface="Calibri"/>
-              <a:cs typeface="Consolas" pitchFamily="49" charset="0"/>
-            </a:endParaRPr>
           </a:p>
         </p:txBody>
       </p:sp>
@@ -9563,6 +9585,13 @@
     <a:masterClrMapping/>
   </p:clrMapOvr>
   <p:transition spd="slow"/>
+  <p:timing>
+    <p:tnLst>
+      <p:par>
+        <p:cTn id="1" dur="indefinite" restart="never" nodeType="tmRoot"/>
+      </p:par>
+    </p:tnLst>
+  </p:timing>
 </p:sld>
 </file>
 
@@ -9728,11 +9757,6 @@
               </a:rPr>
               <a:t>}</a:t>
             </a:r>
-            <a:endParaRPr lang="en-US" sz="1600" dirty="0" smtClean="0">
-              <a:latin typeface="Consolas" pitchFamily="49" charset="0"/>
-              <a:ea typeface="Calibri"/>
-              <a:cs typeface="Consolas" pitchFamily="49" charset="0"/>
-            </a:endParaRPr>
           </a:p>
         </p:txBody>
       </p:sp>
@@ -10488,11 +10512,452 @@
               </a:rPr>
               <a:t>}</a:t>
             </a:r>
-            <a:endParaRPr lang="en-US" sz="1600" dirty="0" smtClean="0">
-              <a:latin typeface="Consolas" pitchFamily="49" charset="0"/>
-              <a:ea typeface="Calibri"/>
-              <a:cs typeface="Consolas" pitchFamily="49" charset="0"/>
-            </a:endParaRPr>
+          </a:p>
+        </p:txBody>
+      </p:sp>
+    </p:spTree>
+  </p:cSld>
+  <p:clrMapOvr>
+    <a:masterClrMapping/>
+  </p:clrMapOvr>
+  <p:transition spd="slow"/>
+</p:sld>
+</file>
+
+<file path=ppt/slides/slide24.xml><?xml version="1.0" encoding="utf-8"?>
+<p:sld xmlns:a="http://schemas.openxmlformats.org/drawingml/2006/main" xmlns:r="http://schemas.openxmlformats.org/officeDocument/2006/relationships" xmlns:p="http://schemas.openxmlformats.org/presentationml/2006/main">
+  <p:cSld>
+    <p:spTree>
+      <p:nvGrpSpPr>
+        <p:cNvPr id="1" name=""/>
+        <p:cNvGrpSpPr/>
+        <p:nvPr/>
+      </p:nvGrpSpPr>
+      <p:grpSpPr>
+        <a:xfrm>
+          <a:off x="0" y="0"/>
+          <a:ext cx="0" cy="0"/>
+          <a:chOff x="0" y="0"/>
+          <a:chExt cx="0" cy="0"/>
+        </a:xfrm>
+      </p:grpSpPr>
+      <p:sp>
+        <p:nvSpPr>
+          <p:cNvPr id="2" name="Espaço Reservado para Conteúdo 1"/>
+          <p:cNvSpPr>
+            <a:spLocks noGrp="1"/>
+          </p:cNvSpPr>
+          <p:nvPr>
+            <p:ph idx="1"/>
+          </p:nvPr>
+        </p:nvSpPr>
+        <p:spPr>
+          <a:xfrm>
+            <a:off x="457200" y="571480"/>
+            <a:ext cx="8229600" cy="5554683"/>
+          </a:xfrm>
+        </p:spPr>
+        <p:txBody>
+          <a:bodyPr>
+            <a:normAutofit fontScale="92500" lnSpcReduction="10000"/>
+          </a:bodyPr>
+          <a:lstStyle/>
+          <a:p>
+            <a:r>
+              <a:rPr lang="pt-BR" dirty="0" smtClean="0"/>
+              <a:t>Considere essa interface</a:t>
+            </a:r>
+          </a:p>
+          <a:p>
+            <a:pPr>
+              <a:buNone/>
+            </a:pPr>
+            <a:r>
+              <a:rPr lang="pt-BR" dirty="0" smtClean="0"/>
+              <a:t>interface </a:t>
+            </a:r>
+            <a:r>
+              <a:rPr lang="pt-BR" dirty="0" err="1" smtClean="0"/>
+              <a:t>Action</a:t>
+            </a:r>
+            <a:r>
+              <a:rPr lang="pt-BR" dirty="0" smtClean="0"/>
+              <a:t>{</a:t>
+            </a:r>
+          </a:p>
+          <a:p>
+            <a:pPr>
+              <a:buNone/>
+            </a:pPr>
+            <a:r>
+              <a:rPr lang="pt-BR" dirty="0" smtClean="0"/>
+              <a:t>	</a:t>
+            </a:r>
+            <a:r>
+              <a:rPr lang="pt-BR" dirty="0" err="1" smtClean="0"/>
+              <a:t>void</a:t>
+            </a:r>
+            <a:r>
+              <a:rPr lang="pt-BR" dirty="0" smtClean="0"/>
+              <a:t> </a:t>
+            </a:r>
+            <a:r>
+              <a:rPr lang="pt-BR" dirty="0" err="1" smtClean="0"/>
+              <a:t>doStuff</a:t>
+            </a:r>
+            <a:r>
+              <a:rPr lang="pt-BR" dirty="0" smtClean="0"/>
+              <a:t>();</a:t>
+            </a:r>
+          </a:p>
+          <a:p>
+            <a:pPr>
+              <a:buNone/>
+            </a:pPr>
+            <a:r>
+              <a:rPr lang="pt-BR" dirty="0" smtClean="0"/>
+              <a:t>}</a:t>
+            </a:r>
+          </a:p>
+          <a:p>
+            <a:r>
+              <a:rPr lang="pt-BR" dirty="0" smtClean="0"/>
+              <a:t>Crie uma classe chama </a:t>
+            </a:r>
+            <a:r>
+              <a:rPr lang="pt-BR" dirty="0" err="1" smtClean="0"/>
+              <a:t>InnerTests</a:t>
+            </a:r>
+            <a:r>
+              <a:rPr lang="pt-BR" dirty="0" smtClean="0"/>
+              <a:t> com 3 métodos de instância chamados respectivamente de callInner1(), callInner2() e callInner3() em que o tipo de retorno é </a:t>
+            </a:r>
+            <a:r>
+              <a:rPr lang="pt-BR" dirty="0" err="1" smtClean="0"/>
+              <a:t>Action</a:t>
+            </a:r>
+            <a:endParaRPr lang="pt-BR" dirty="0" smtClean="0"/>
+          </a:p>
+          <a:p>
+            <a:r>
+              <a:rPr lang="pt-BR" dirty="0" smtClean="0"/>
+              <a:t>Cada método deve retornar respectivamente uma classe interna: 1-na própria classe, 2-no método como classe nomeada, 3-no método como classe anônima</a:t>
+            </a:r>
+          </a:p>
+          <a:p>
+            <a:endParaRPr lang="pt-BR" dirty="0" smtClean="0"/>
+          </a:p>
+          <a:p>
+            <a:endParaRPr lang="pt-BR" dirty="0" smtClean="0"/>
+          </a:p>
+          <a:p>
+            <a:pPr>
+              <a:buNone/>
+            </a:pPr>
+            <a:endParaRPr lang="pt-BR" dirty="0" smtClean="0"/>
+          </a:p>
+          <a:p>
+            <a:endParaRPr lang="pt-BR" dirty="0" smtClean="0"/>
+          </a:p>
+          <a:p>
+            <a:pPr>
+              <a:buNone/>
+            </a:pPr>
+            <a:endParaRPr lang="pt-BR" dirty="0" smtClean="0"/>
+          </a:p>
+        </p:txBody>
+      </p:sp>
+      <p:sp>
+        <p:nvSpPr>
+          <p:cNvPr id="3" name="Título 2"/>
+          <p:cNvSpPr>
+            <a:spLocks noGrp="1"/>
+          </p:cNvSpPr>
+          <p:nvPr>
+            <p:ph type="title"/>
+          </p:nvPr>
+        </p:nvSpPr>
+        <p:spPr>
+          <a:xfrm>
+            <a:off x="457200" y="-285776"/>
+            <a:ext cx="8229600" cy="1143000"/>
+          </a:xfrm>
+        </p:spPr>
+        <p:txBody>
+          <a:bodyPr/>
+          <a:lstStyle/>
+          <a:p>
+            <a:r>
+              <a:rPr lang="pt-BR" dirty="0" err="1" smtClean="0"/>
+              <a:t>Exercicio</a:t>
+            </a:r>
+            <a:endParaRPr lang="pt-BR" dirty="0"/>
+          </a:p>
+        </p:txBody>
+      </p:sp>
+    </p:spTree>
+  </p:cSld>
+  <p:clrMapOvr>
+    <a:masterClrMapping/>
+  </p:clrMapOvr>
+  <p:transition spd="slow"/>
+</p:sld>
+</file>
+
+<file path=ppt/slides/slide25.xml><?xml version="1.0" encoding="utf-8"?>
+<p:sld xmlns:a="http://schemas.openxmlformats.org/drawingml/2006/main" xmlns:r="http://schemas.openxmlformats.org/officeDocument/2006/relationships" xmlns:p="http://schemas.openxmlformats.org/presentationml/2006/main">
+  <p:cSld>
+    <p:spTree>
+      <p:nvGrpSpPr>
+        <p:cNvPr id="1" name=""/>
+        <p:cNvGrpSpPr/>
+        <p:nvPr/>
+      </p:nvGrpSpPr>
+      <p:grpSpPr>
+        <a:xfrm>
+          <a:off x="0" y="0"/>
+          <a:ext cx="0" cy="0"/>
+          <a:chOff x="0" y="0"/>
+          <a:chExt cx="0" cy="0"/>
+        </a:xfrm>
+      </p:grpSpPr>
+      <p:sp>
+        <p:nvSpPr>
+          <p:cNvPr id="2" name="Espaço Reservado para Conteúdo 1"/>
+          <p:cNvSpPr>
+            <a:spLocks noGrp="1"/>
+          </p:cNvSpPr>
+          <p:nvPr>
+            <p:ph idx="1"/>
+          </p:nvPr>
+        </p:nvSpPr>
+        <p:spPr>
+          <a:xfrm>
+            <a:off x="457200" y="785794"/>
+            <a:ext cx="8229600" cy="5340369"/>
+          </a:xfrm>
+        </p:spPr>
+        <p:txBody>
+          <a:bodyPr>
+            <a:normAutofit fontScale="77500" lnSpcReduction="20000"/>
+          </a:bodyPr>
+          <a:lstStyle/>
+          <a:p>
+            <a:r>
+              <a:rPr lang="pt-BR" dirty="0" smtClean="0"/>
+              <a:t>Cada método deve imprimir qual o tipo da classe </a:t>
+            </a:r>
+            <a:r>
+              <a:rPr lang="pt-BR" dirty="0" err="1" smtClean="0"/>
+              <a:t>implementadora</a:t>
+            </a:r>
+            <a:r>
+              <a:rPr lang="pt-BR" dirty="0" smtClean="0"/>
+              <a:t>(se de instância, se de método nomeada ou de método anônima)</a:t>
+            </a:r>
+          </a:p>
+          <a:p>
+            <a:r>
+              <a:rPr lang="pt-BR" dirty="0" smtClean="0"/>
+              <a:t>No </a:t>
+            </a:r>
+            <a:r>
+              <a:rPr lang="pt-BR" dirty="0" err="1" smtClean="0"/>
+              <a:t>main</a:t>
+            </a:r>
+            <a:r>
+              <a:rPr lang="pt-BR" dirty="0" smtClean="0"/>
+              <a:t> crie um </a:t>
+            </a:r>
+            <a:r>
+              <a:rPr lang="pt-BR" dirty="0" err="1" smtClean="0"/>
+              <a:t>array</a:t>
+            </a:r>
+            <a:r>
+              <a:rPr lang="pt-BR" dirty="0" smtClean="0"/>
+              <a:t> de objetos </a:t>
+            </a:r>
+            <a:r>
+              <a:rPr lang="pt-BR" dirty="0" err="1" smtClean="0"/>
+              <a:t>Action</a:t>
+            </a:r>
+            <a:r>
+              <a:rPr lang="pt-BR" dirty="0" smtClean="0"/>
+              <a:t> com 3 posições e inicialize cada posição chamando um método da classe </a:t>
+            </a:r>
+            <a:r>
+              <a:rPr lang="pt-BR" dirty="0" err="1" smtClean="0"/>
+              <a:t>InnerTests</a:t>
+            </a:r>
+            <a:r>
+              <a:rPr lang="pt-BR" dirty="0" smtClean="0"/>
+              <a:t> diferente</a:t>
+            </a:r>
+          </a:p>
+          <a:p>
+            <a:r>
+              <a:rPr lang="pt-BR" dirty="0" smtClean="0"/>
+              <a:t>Itere pelo </a:t>
+            </a:r>
+            <a:r>
+              <a:rPr lang="pt-BR" dirty="0" err="1" smtClean="0"/>
+              <a:t>array</a:t>
+            </a:r>
+            <a:r>
+              <a:rPr lang="pt-BR" dirty="0" smtClean="0"/>
+              <a:t> de </a:t>
+            </a:r>
+            <a:r>
+              <a:rPr lang="pt-BR" dirty="0" err="1" smtClean="0"/>
+              <a:t>Actions</a:t>
+            </a:r>
+            <a:r>
+              <a:rPr lang="pt-BR" dirty="0" smtClean="0"/>
+              <a:t> e chame o método </a:t>
+            </a:r>
+            <a:r>
+              <a:rPr lang="pt-BR" dirty="0" err="1" smtClean="0"/>
+              <a:t>doStuff</a:t>
+            </a:r>
+            <a:r>
+              <a:rPr lang="pt-BR" dirty="0" smtClean="0"/>
+              <a:t>()  de cada objeto</a:t>
+            </a:r>
+          </a:p>
+          <a:p>
+            <a:r>
+              <a:rPr lang="pt-BR" dirty="0" smtClean="0"/>
+              <a:t>Ex:</a:t>
+            </a:r>
+          </a:p>
+          <a:p>
+            <a:pPr>
+              <a:buNone/>
+            </a:pPr>
+            <a:r>
+              <a:rPr lang="pt-BR" dirty="0" err="1" smtClean="0"/>
+              <a:t>public</a:t>
+            </a:r>
+            <a:r>
+              <a:rPr lang="pt-BR" dirty="0" smtClean="0"/>
+              <a:t> </a:t>
+            </a:r>
+            <a:r>
+              <a:rPr lang="pt-BR" dirty="0" err="1" smtClean="0"/>
+              <a:t>class</a:t>
+            </a:r>
+            <a:r>
+              <a:rPr lang="pt-BR" dirty="0" smtClean="0"/>
+              <a:t> </a:t>
+            </a:r>
+            <a:r>
+              <a:rPr lang="pt-BR" dirty="0" err="1" smtClean="0"/>
+              <a:t>InnerTests</a:t>
+            </a:r>
+            <a:r>
+              <a:rPr lang="pt-BR" dirty="0" smtClean="0"/>
+              <a:t> {	</a:t>
+            </a:r>
+          </a:p>
+          <a:p>
+            <a:pPr>
+              <a:buNone/>
+            </a:pPr>
+            <a:r>
+              <a:rPr lang="pt-BR" dirty="0" smtClean="0"/>
+              <a:t>	</a:t>
+            </a:r>
+            <a:r>
+              <a:rPr lang="pt-BR" dirty="0" err="1" smtClean="0"/>
+              <a:t>Action</a:t>
+            </a:r>
+            <a:r>
+              <a:rPr lang="pt-BR" dirty="0" smtClean="0"/>
+              <a:t> callInner1(){...}	</a:t>
+            </a:r>
+          </a:p>
+          <a:p>
+            <a:pPr>
+              <a:buNone/>
+            </a:pPr>
+            <a:r>
+              <a:rPr lang="pt-BR" dirty="0" smtClean="0"/>
+              <a:t>	</a:t>
+            </a:r>
+            <a:r>
+              <a:rPr lang="pt-BR" dirty="0" err="1" smtClean="0"/>
+              <a:t>Action</a:t>
+            </a:r>
+            <a:r>
+              <a:rPr lang="pt-BR" dirty="0" smtClean="0"/>
+              <a:t> callInner2(){...}	</a:t>
+            </a:r>
+          </a:p>
+          <a:p>
+            <a:pPr>
+              <a:buNone/>
+            </a:pPr>
+            <a:r>
+              <a:rPr lang="pt-BR" dirty="0" smtClean="0"/>
+              <a:t>	</a:t>
+            </a:r>
+            <a:r>
+              <a:rPr lang="pt-BR" dirty="0" err="1" smtClean="0"/>
+              <a:t>Action</a:t>
+            </a:r>
+            <a:r>
+              <a:rPr lang="pt-BR" dirty="0" smtClean="0"/>
+              <a:t> callInner3(){...}	</a:t>
+            </a:r>
+          </a:p>
+          <a:p>
+            <a:pPr>
+              <a:buNone/>
+            </a:pPr>
+            <a:r>
+              <a:rPr lang="pt-BR" dirty="0" smtClean="0"/>
+              <a:t>}</a:t>
+            </a:r>
+          </a:p>
+        </p:txBody>
+      </p:sp>
+      <p:sp>
+        <p:nvSpPr>
+          <p:cNvPr id="3" name="Título 2"/>
+          <p:cNvSpPr>
+            <a:spLocks noGrp="1"/>
+          </p:cNvSpPr>
+          <p:nvPr>
+            <p:ph type="title"/>
+          </p:nvPr>
+        </p:nvSpPr>
+        <p:spPr>
+          <a:xfrm>
+            <a:off x="457200" y="-214338"/>
+            <a:ext cx="8229600" cy="1143000"/>
+          </a:xfrm>
+        </p:spPr>
+        <p:txBody>
+          <a:bodyPr/>
+          <a:lstStyle/>
+          <a:p>
+            <a:r>
+              <a:rPr lang="pt-BR" dirty="0" err="1" smtClean="0"/>
+              <a:t>Exercicio</a:t>
+            </a:r>
+            <a:r>
+              <a:rPr lang="pt-BR" dirty="0" smtClean="0"/>
+              <a:t>(</a:t>
+            </a:r>
+            <a:r>
+              <a:rPr lang="pt-BR" dirty="0" err="1" smtClean="0"/>
+              <a:t>cont</a:t>
+            </a:r>
+            <a:r>
+              <a:rPr lang="pt-BR" dirty="0" smtClean="0"/>
+              <a:t>)</a:t>
+            </a:r>
+            <a:endParaRPr lang="pt-BR" dirty="0"/>
           </a:p>
         </p:txBody>
       </p:sp>
@@ -10609,6 +11074,13 @@
     <a:masterClrMapping/>
   </p:clrMapOvr>
   <p:transition spd="slow"/>
+  <p:timing>
+    <p:tnLst>
+      <p:par>
+        <p:cTn id="1" dur="indefinite" restart="never" nodeType="tmRoot"/>
+      </p:par>
+    </p:tnLst>
+  </p:timing>
 </p:sld>
 </file>
 
@@ -10946,11 +11418,6 @@
               </a:rPr>
               <a:t>}</a:t>
             </a:r>
-            <a:endParaRPr lang="en-US" sz="1600" dirty="0" smtClean="0">
-              <a:latin typeface="Consolas" pitchFamily="49" charset="0"/>
-              <a:ea typeface="Calibri"/>
-              <a:cs typeface="Consolas" pitchFamily="49" charset="0"/>
-            </a:endParaRPr>
           </a:p>
         </p:txBody>
       </p:sp>
@@ -10960,6 +11427,13 @@
     <a:masterClrMapping/>
   </p:clrMapOvr>
   <p:transition spd="slow"/>
+  <p:timing>
+    <p:tnLst>
+      <p:par>
+        <p:cTn id="1" dur="indefinite" restart="never" nodeType="tmRoot"/>
+      </p:par>
+    </p:tnLst>
+  </p:timing>
 </p:sld>
 </file>
 
@@ -11062,6 +11536,13 @@
     <a:masterClrMapping/>
   </p:clrMapOvr>
   <p:transition spd="slow"/>
+  <p:timing>
+    <p:tnLst>
+      <p:par>
+        <p:cTn id="1" dur="indefinite" restart="never" nodeType="tmRoot"/>
+      </p:par>
+    </p:tnLst>
+  </p:timing>
 </p:sld>
 </file>
 
@@ -11191,6 +11672,13 @@
     <a:masterClrMapping/>
   </p:clrMapOvr>
   <p:transition spd="slow"/>
+  <p:timing>
+    <p:tnLst>
+      <p:par>
+        <p:cTn id="1" dur="indefinite" restart="never" nodeType="tmRoot"/>
+      </p:par>
+    </p:tnLst>
+  </p:timing>
 </p:sld>
 </file>
 
@@ -11625,15 +12113,7 @@
                 <a:ea typeface="Calibri"/>
                 <a:cs typeface="Consolas" pitchFamily="49" charset="0"/>
               </a:rPr>
-              <a:t>secondInner</a:t>
-            </a:r>
-            <a:r>
-              <a:rPr lang="en-US" sz="1600" dirty="0" err="1" smtClean="0">
-                <a:latin typeface="Consolas" pitchFamily="49" charset="0"/>
-                <a:ea typeface="Calibri"/>
-                <a:cs typeface="Consolas" pitchFamily="49" charset="0"/>
-              </a:rPr>
-              <a:t>.seeOuter</a:t>
+              <a:t>secondInner.seeOuter</a:t>
             </a:r>
             <a:r>
               <a:rPr lang="en-US" sz="1600" dirty="0" smtClean="0">
@@ -11679,11 +12159,6 @@
               </a:rPr>
               <a:t>}</a:t>
             </a:r>
-            <a:endParaRPr lang="en-US" sz="1600" dirty="0" smtClean="0">
-              <a:latin typeface="Consolas" pitchFamily="49" charset="0"/>
-              <a:ea typeface="Calibri"/>
-              <a:cs typeface="Consolas" pitchFamily="49" charset="0"/>
-            </a:endParaRPr>
           </a:p>
         </p:txBody>
       </p:sp>
@@ -11693,6 +12168,13 @@
     <a:masterClrMapping/>
   </p:clrMapOvr>
   <p:transition spd="slow"/>
+  <p:timing>
+    <p:tnLst>
+      <p:par>
+        <p:cTn id="1" dur="indefinite" restart="never" nodeType="tmRoot"/>
+      </p:par>
+    </p:tnLst>
+  </p:timing>
 </p:sld>
 </file>
 
@@ -11842,6 +12324,13 @@
     <a:masterClrMapping/>
   </p:clrMapOvr>
   <p:transition spd="slow"/>
+  <p:timing>
+    <p:tnLst>
+      <p:par>
+        <p:cTn id="1" dur="indefinite" restart="never" nodeType="tmRoot"/>
+      </p:par>
+    </p:tnLst>
+  </p:timing>
 </p:sld>
 </file>
 
@@ -12163,23 +12652,7 @@
                 <a:ea typeface="Calibri"/>
                 <a:cs typeface="Consolas" pitchFamily="49" charset="0"/>
               </a:rPr>
-              <a:t>("Inner class </a:t>
-            </a:r>
-            <a:r>
-              <a:rPr lang="en-US" sz="1600" dirty="0" smtClean="0">
-                <a:latin typeface="Consolas" pitchFamily="49" charset="0"/>
-                <a:ea typeface="Calibri"/>
-                <a:cs typeface="Consolas" pitchFamily="49" charset="0"/>
-              </a:rPr>
-              <a:t>ref:“+ this</a:t>
-            </a:r>
-            <a:r>
-              <a:rPr lang="en-US" sz="1600" dirty="0" smtClean="0">
-                <a:latin typeface="Consolas" pitchFamily="49" charset="0"/>
-                <a:ea typeface="Calibri"/>
-                <a:cs typeface="Consolas" pitchFamily="49" charset="0"/>
-              </a:rPr>
-              <a:t>);</a:t>
+              <a:t>("Inner class ref:“+ this);</a:t>
             </a:r>
           </a:p>
           <a:p>
@@ -12213,15 +12686,7 @@
                 <a:ea typeface="Calibri"/>
                 <a:cs typeface="Consolas" pitchFamily="49" charset="0"/>
               </a:rPr>
-              <a:t>("Outer class </a:t>
-            </a:r>
-            <a:r>
-              <a:rPr lang="en-US" sz="1600" dirty="0" smtClean="0">
-                <a:latin typeface="Consolas" pitchFamily="49" charset="0"/>
-                <a:ea typeface="Calibri"/>
-                <a:cs typeface="Consolas" pitchFamily="49" charset="0"/>
-              </a:rPr>
-              <a:t>ref:“+ </a:t>
+              <a:t>("Outer class ref:“+ </a:t>
             </a:r>
             <a:r>
               <a:rPr lang="en-US" sz="1600" dirty="0" err="1" smtClean="0">
@@ -12293,11 +12758,6 @@
               </a:rPr>
               <a:t>}</a:t>
             </a:r>
-            <a:endParaRPr lang="en-US" sz="1600" dirty="0" smtClean="0">
-              <a:latin typeface="Consolas" pitchFamily="49" charset="0"/>
-              <a:ea typeface="Calibri"/>
-              <a:cs typeface="Consolas" pitchFamily="49" charset="0"/>
-            </a:endParaRPr>
           </a:p>
         </p:txBody>
       </p:sp>
@@ -12307,6 +12767,13 @@
     <a:masterClrMapping/>
   </p:clrMapOvr>
   <p:transition spd="slow"/>
+  <p:timing>
+    <p:tnLst>
+      <p:par>
+        <p:cTn id="1" dur="indefinite" restart="never" nodeType="tmRoot"/>
+      </p:par>
+    </p:tnLst>
+  </p:timing>
 </p:sld>
 </file>
 
